--- a/figures/final_figures.pptx
+++ b/figures/final_figures.pptx
@@ -985,7 +985,7 @@
           <a:p>
             <a:fld id="{CF932845-85DF-4C4C-9E97-2B25167BBB9E}" type="datetimeFigureOut">
               <a:rPr lang="en-US" smtClean="0"/>
-              <a:t>11/25/24</a:t>
+              <a:t>12/3/24</a:t>
             </a:fld>
             <a:endParaRPr lang="en-US"/>
           </a:p>
@@ -1486,7 +1486,7 @@
           <a:p>
             <a:fld id="{4BDF8605-34CD-1147-ACA7-DE458048EFB2}" type="datetimeFigureOut">
               <a:rPr lang="en-US" smtClean="0"/>
-              <a:t>11/25/24</a:t>
+              <a:t>12/3/24</a:t>
             </a:fld>
             <a:endParaRPr lang="en-US"/>
           </a:p>
@@ -1684,7 +1684,7 @@
           <a:p>
             <a:fld id="{4BDF8605-34CD-1147-ACA7-DE458048EFB2}" type="datetimeFigureOut">
               <a:rPr lang="en-US" smtClean="0"/>
-              <a:t>11/25/24</a:t>
+              <a:t>12/3/24</a:t>
             </a:fld>
             <a:endParaRPr lang="en-US"/>
           </a:p>
@@ -1892,7 +1892,7 @@
           <a:p>
             <a:fld id="{4BDF8605-34CD-1147-ACA7-DE458048EFB2}" type="datetimeFigureOut">
               <a:rPr lang="en-US" smtClean="0"/>
-              <a:t>11/25/24</a:t>
+              <a:t>12/3/24</a:t>
             </a:fld>
             <a:endParaRPr lang="en-US"/>
           </a:p>
@@ -2090,7 +2090,7 @@
           <a:p>
             <a:fld id="{4BDF8605-34CD-1147-ACA7-DE458048EFB2}" type="datetimeFigureOut">
               <a:rPr lang="en-US" smtClean="0"/>
-              <a:t>11/25/24</a:t>
+              <a:t>12/3/24</a:t>
             </a:fld>
             <a:endParaRPr lang="en-US"/>
           </a:p>
@@ -2365,7 +2365,7 @@
           <a:p>
             <a:fld id="{4BDF8605-34CD-1147-ACA7-DE458048EFB2}" type="datetimeFigureOut">
               <a:rPr lang="en-US" smtClean="0"/>
-              <a:t>11/25/24</a:t>
+              <a:t>12/3/24</a:t>
             </a:fld>
             <a:endParaRPr lang="en-US"/>
           </a:p>
@@ -2630,7 +2630,7 @@
           <a:p>
             <a:fld id="{4BDF8605-34CD-1147-ACA7-DE458048EFB2}" type="datetimeFigureOut">
               <a:rPr lang="en-US" smtClean="0"/>
-              <a:t>11/25/24</a:t>
+              <a:t>12/3/24</a:t>
             </a:fld>
             <a:endParaRPr lang="en-US"/>
           </a:p>
@@ -3042,7 +3042,7 @@
           <a:p>
             <a:fld id="{4BDF8605-34CD-1147-ACA7-DE458048EFB2}" type="datetimeFigureOut">
               <a:rPr lang="en-US" smtClean="0"/>
-              <a:t>11/25/24</a:t>
+              <a:t>12/3/24</a:t>
             </a:fld>
             <a:endParaRPr lang="en-US"/>
           </a:p>
@@ -3183,7 +3183,7 @@
           <a:p>
             <a:fld id="{4BDF8605-34CD-1147-ACA7-DE458048EFB2}" type="datetimeFigureOut">
               <a:rPr lang="en-US" smtClean="0"/>
-              <a:t>11/25/24</a:t>
+              <a:t>12/3/24</a:t>
             </a:fld>
             <a:endParaRPr lang="en-US"/>
           </a:p>
@@ -3296,7 +3296,7 @@
           <a:p>
             <a:fld id="{4BDF8605-34CD-1147-ACA7-DE458048EFB2}" type="datetimeFigureOut">
               <a:rPr lang="en-US" smtClean="0"/>
-              <a:t>11/25/24</a:t>
+              <a:t>12/3/24</a:t>
             </a:fld>
             <a:endParaRPr lang="en-US"/>
           </a:p>
@@ -3607,7 +3607,7 @@
           <a:p>
             <a:fld id="{4BDF8605-34CD-1147-ACA7-DE458048EFB2}" type="datetimeFigureOut">
               <a:rPr lang="en-US" smtClean="0"/>
-              <a:t>11/25/24</a:t>
+              <a:t>12/3/24</a:t>
             </a:fld>
             <a:endParaRPr lang="en-US"/>
           </a:p>
@@ -3895,7 +3895,7 @@
           <a:p>
             <a:fld id="{4BDF8605-34CD-1147-ACA7-DE458048EFB2}" type="datetimeFigureOut">
               <a:rPr lang="en-US" smtClean="0"/>
-              <a:t>11/25/24</a:t>
+              <a:t>12/3/24</a:t>
             </a:fld>
             <a:endParaRPr lang="en-US"/>
           </a:p>
@@ -4136,7 +4136,7 @@
           <a:p>
             <a:fld id="{4BDF8605-34CD-1147-ACA7-DE458048EFB2}" type="datetimeFigureOut">
               <a:rPr lang="en-US" smtClean="0"/>
-              <a:t>11/25/24</a:t>
+              <a:t>12/3/24</a:t>
             </a:fld>
             <a:endParaRPr lang="en-US"/>
           </a:p>
@@ -4627,10 +4627,10 @@
               </p:nvGrpSpPr>
               <p:grpSpPr>
                 <a:xfrm>
-                  <a:off x="133456" y="1299905"/>
-                  <a:ext cx="11695714" cy="3471620"/>
-                  <a:chOff x="133456" y="1299905"/>
-                  <a:chExt cx="11695714" cy="3471620"/>
+                  <a:off x="133456" y="1297700"/>
+                  <a:ext cx="11695714" cy="3473825"/>
+                  <a:chOff x="133456" y="1297700"/>
+                  <a:chExt cx="11695714" cy="3473825"/>
                 </a:xfrm>
               </p:grpSpPr>
               <p:pic>
@@ -4676,10 +4676,10 @@
                 </p:nvGrpSpPr>
                 <p:grpSpPr>
                   <a:xfrm>
-                    <a:off x="133456" y="1299905"/>
-                    <a:ext cx="11695714" cy="3471620"/>
-                    <a:chOff x="120756" y="1274505"/>
-                    <a:chExt cx="11695714" cy="3471620"/>
+                    <a:off x="133456" y="1297700"/>
+                    <a:ext cx="11695714" cy="3473825"/>
+                    <a:chOff x="120756" y="1272300"/>
+                    <a:chExt cx="11695714" cy="3473825"/>
                   </a:xfrm>
                 </p:grpSpPr>
                 <p:grpSp>
@@ -4696,10 +4696,10 @@
                   </p:nvGrpSpPr>
                   <p:grpSpPr>
                     <a:xfrm>
-                      <a:off x="120756" y="1274505"/>
-                      <a:ext cx="11695714" cy="3471620"/>
-                      <a:chOff x="178629" y="1587021"/>
-                      <a:chExt cx="11695714" cy="3471620"/>
+                      <a:off x="120756" y="1272300"/>
+                      <a:ext cx="11695714" cy="3473825"/>
+                      <a:chOff x="178629" y="1584816"/>
+                      <a:chExt cx="11695714" cy="3473825"/>
                     </a:xfrm>
                   </p:grpSpPr>
                   <p:sp>
@@ -4770,10 +4770,10 @@
                     </p:nvGrpSpPr>
                     <p:grpSpPr>
                       <a:xfrm>
-                        <a:off x="178629" y="1587021"/>
-                        <a:ext cx="10586509" cy="3471620"/>
-                        <a:chOff x="178629" y="1587021"/>
-                        <a:chExt cx="10586509" cy="3471620"/>
+                        <a:off x="178629" y="1584816"/>
+                        <a:ext cx="10586509" cy="3473825"/>
+                        <a:chOff x="178629" y="1584816"/>
+                        <a:chExt cx="10586509" cy="3473825"/>
                       </a:xfrm>
                     </p:grpSpPr>
                     <p:sp>
@@ -4870,10 +4870,10 @@
                       </p:nvGrpSpPr>
                       <p:grpSpPr>
                         <a:xfrm>
-                          <a:off x="480192" y="1587021"/>
-                          <a:ext cx="10284946" cy="3471620"/>
-                          <a:chOff x="334863" y="969840"/>
-                          <a:chExt cx="11864093" cy="4004650"/>
+                          <a:off x="431124" y="1584816"/>
+                          <a:ext cx="10334014" cy="3473825"/>
+                          <a:chOff x="278263" y="967296"/>
+                          <a:chExt cx="11920693" cy="4007194"/>
                         </a:xfrm>
                       </p:grpSpPr>
                       <p:grpSp>
@@ -4890,10 +4890,10 @@
                         </p:nvGrpSpPr>
                         <p:grpSpPr>
                           <a:xfrm>
-                            <a:off x="334863" y="969840"/>
-                            <a:ext cx="11864093" cy="3713693"/>
-                            <a:chOff x="334863" y="969840"/>
-                            <a:chExt cx="11864093" cy="3713693"/>
+                            <a:off x="278263" y="967296"/>
+                            <a:ext cx="11920693" cy="3716236"/>
+                            <a:chOff x="278263" y="967296"/>
+                            <a:chExt cx="11920693" cy="3716236"/>
                           </a:xfrm>
                         </p:grpSpPr>
                         <p:pic>
@@ -4918,7 +4918,7 @@
                           <p:spPr>
                             <a:xfrm>
                               <a:off x="8485263" y="969840"/>
-                              <a:ext cx="3713693" cy="3713693"/>
+                              <a:ext cx="3713693" cy="3713692"/>
                             </a:xfrm>
                             <a:prstGeom prst="rect">
                               <a:avLst/>
@@ -4946,8 +4946,8 @@
                           </p:blipFill>
                           <p:spPr>
                             <a:xfrm>
-                              <a:off x="334863" y="1016359"/>
-                              <a:ext cx="3608030" cy="3608030"/>
+                              <a:off x="278263" y="967296"/>
+                              <a:ext cx="3713693" cy="3713693"/>
                             </a:xfrm>
                             <a:prstGeom prst="rect">
                               <a:avLst/>
@@ -5566,8 +5566,8 @@
               </a:p>
             </p:txBody>
           </p:sp>
-          <mc:AlternateContent xmlns:mc="http://schemas.openxmlformats.org/markup-compatibility/2006">
-            <mc:Choice xmlns:a14="http://schemas.microsoft.com/office/drawing/2010/main" Requires="a14">
+          <mc:AlternateContent xmlns:mc="http://schemas.openxmlformats.org/markup-compatibility/2006" xmlns:a14="http://schemas.microsoft.com/office/drawing/2010/main">
+            <mc:Choice Requires="a14">
               <p:sp>
                 <p:nvSpPr>
                   <p:cNvPr id="9" name="TextBox 8">
@@ -5623,7 +5623,7 @@
                 </p:txBody>
               </p:sp>
             </mc:Choice>
-            <mc:Fallback>
+            <mc:Fallback xmlns="">
               <p:sp>
                 <p:nvSpPr>
                   <p:cNvPr id="9" name="TextBox 8">
@@ -6281,8 +6281,8 @@
               </a:p>
             </p:txBody>
           </p:sp>
-          <mc:AlternateContent xmlns:mc="http://schemas.openxmlformats.org/markup-compatibility/2006">
-            <mc:Choice xmlns:a14="http://schemas.microsoft.com/office/drawing/2010/main" Requires="a14">
+          <mc:AlternateContent xmlns:mc="http://schemas.openxmlformats.org/markup-compatibility/2006" xmlns:a14="http://schemas.microsoft.com/office/drawing/2010/main">
+            <mc:Choice Requires="a14">
               <p:sp>
                 <p:nvSpPr>
                   <p:cNvPr id="15" name="TextBox 14">
@@ -6344,7 +6344,7 @@
                 </p:txBody>
               </p:sp>
             </mc:Choice>
-            <mc:Fallback>
+            <mc:Fallback xmlns="">
               <p:sp>
                 <p:nvSpPr>
                   <p:cNvPr id="15" name="TextBox 14">
@@ -6872,8 +6872,8 @@
                     </a:extLst>
                   </p:spPr>
                 </p:pic>
-                <mc:AlternateContent xmlns:mc="http://schemas.openxmlformats.org/markup-compatibility/2006">
-                  <mc:Choice xmlns:a14="http://schemas.microsoft.com/office/drawing/2010/main" Requires="a14">
+                <mc:AlternateContent xmlns:mc="http://schemas.openxmlformats.org/markup-compatibility/2006" xmlns:a14="http://schemas.microsoft.com/office/drawing/2010/main">
+                  <mc:Choice Requires="a14">
                     <p:sp>
                       <p:nvSpPr>
                         <p:cNvPr id="3" name="TextBox 2">
@@ -7027,7 +7027,7 @@
                       </p:txBody>
                     </p:sp>
                   </mc:Choice>
-                  <mc:Fallback>
+                  <mc:Fallback xmlns="">
                     <p:sp>
                       <p:nvSpPr>
                         <p:cNvPr id="3" name="TextBox 2">
@@ -7122,8 +7122,8 @@
                     </a:prstGeom>
                   </p:spPr>
                 </p:pic>
-                <mc:AlternateContent xmlns:mc="http://schemas.openxmlformats.org/markup-compatibility/2006" xmlns:a14="http://schemas.microsoft.com/office/drawing/2010/main">
-                  <mc:Choice Requires="a14">
+                <mc:AlternateContent xmlns:mc="http://schemas.openxmlformats.org/markup-compatibility/2006">
+                  <mc:Choice xmlns:a14="http://schemas.microsoft.com/office/drawing/2010/main" Requires="a14">
                     <p:sp>
                       <p:nvSpPr>
                         <p:cNvPr id="7" name="TextBox 6">
@@ -7138,7 +7138,7 @@
                       </p:nvSpPr>
                       <p:spPr>
                         <a:xfrm>
-                          <a:off x="2015388" y="1493177"/>
+                          <a:off x="2015388" y="1482544"/>
                           <a:ext cx="853580" cy="279244"/>
                         </a:xfrm>
                         <a:prstGeom prst="rect">
@@ -7207,7 +7207,7 @@
                       </p:txBody>
                     </p:sp>
                   </mc:Choice>
-                  <mc:Fallback xmlns="">
+                  <mc:Fallback>
                     <p:sp>
                       <p:nvSpPr>
                         <p:cNvPr id="7" name="TextBox 6">
@@ -7224,7 +7224,7 @@
                       </p:nvSpPr>
                       <p:spPr>
                         <a:xfrm>
-                          <a:off x="2015388" y="1493177"/>
+                          <a:off x="2015388" y="1482544"/>
                           <a:ext cx="853580" cy="279244"/>
                         </a:xfrm>
                         <a:prstGeom prst="rect">
@@ -8307,8 +8307,8 @@
             </a:p>
           </p:txBody>
         </p:sp>
-        <mc:AlternateContent xmlns:mc="http://schemas.openxmlformats.org/markup-compatibility/2006">
-          <mc:Choice xmlns:a14="http://schemas.microsoft.com/office/drawing/2010/main" Requires="a14">
+        <mc:AlternateContent xmlns:mc="http://schemas.openxmlformats.org/markup-compatibility/2006" xmlns:a14="http://schemas.microsoft.com/office/drawing/2010/main">
+          <mc:Choice Requires="a14">
             <p:sp>
               <p:nvSpPr>
                 <p:cNvPr id="22" name="TextBox 21">
@@ -8368,7 +8368,7 @@
               </p:txBody>
             </p:sp>
           </mc:Choice>
-          <mc:Fallback>
+          <mc:Fallback xmlns="">
             <p:sp>
               <p:nvSpPr>
                 <p:cNvPr id="22" name="TextBox 21">
@@ -8549,9 +8549,9 @@
         <p:grpSpPr>
           <a:xfrm>
             <a:off x="1505473" y="424466"/>
-            <a:ext cx="9181053" cy="6082157"/>
+            <a:ext cx="9194734" cy="6082157"/>
             <a:chOff x="1505473" y="424466"/>
-            <a:chExt cx="9181053" cy="6082157"/>
+            <a:chExt cx="9194734" cy="6082157"/>
           </a:xfrm>
         </p:grpSpPr>
         <p:grpSp>
@@ -8569,9 +8569,9 @@
           <p:grpSpPr>
             <a:xfrm>
               <a:off x="1505473" y="424466"/>
-              <a:ext cx="9181053" cy="6082157"/>
+              <a:ext cx="9194734" cy="6082157"/>
               <a:chOff x="115539" y="403310"/>
-              <a:chExt cx="9181053" cy="6082157"/>
+              <a:chExt cx="9194734" cy="6082157"/>
             </a:xfrm>
           </p:grpSpPr>
           <p:grpSp>
@@ -8589,9 +8589,9 @@
             <p:grpSpPr>
               <a:xfrm>
                 <a:off x="115539" y="403310"/>
-                <a:ext cx="9181053" cy="6051379"/>
+                <a:ext cx="9194734" cy="6051379"/>
                 <a:chOff x="115539" y="403310"/>
-                <a:chExt cx="9181053" cy="6051379"/>
+                <a:chExt cx="9194734" cy="6051379"/>
               </a:xfrm>
             </p:grpSpPr>
             <p:grpSp>
@@ -8609,9 +8609,9 @@
               <p:grpSpPr>
                 <a:xfrm>
                   <a:off x="115539" y="403310"/>
-                  <a:ext cx="9181053" cy="6051379"/>
+                  <a:ext cx="9194734" cy="6051379"/>
                   <a:chOff x="73497" y="403310"/>
-                  <a:chExt cx="9181053" cy="6051379"/>
+                  <a:chExt cx="9194734" cy="6051379"/>
                 </a:xfrm>
               </p:grpSpPr>
               <p:grpSp>
@@ -8629,9 +8629,9 @@
                 <p:grpSpPr>
                   <a:xfrm>
                     <a:off x="73497" y="403310"/>
-                    <a:ext cx="9181053" cy="6051379"/>
+                    <a:ext cx="9194734" cy="6051379"/>
                     <a:chOff x="-122520" y="-228600"/>
-                    <a:chExt cx="10599707" cy="6986436"/>
+                    <a:chExt cx="10615503" cy="6986436"/>
                   </a:xfrm>
                 </p:grpSpPr>
                 <p:pic>
@@ -8650,13 +8650,13 @@
                   </p:nvPicPr>
                   <p:blipFill>
                     <a:blip r:embed="rId2"/>
-                    <a:srcRect l="14205" r="8404"/>
+                    <a:srcRect l="14219" r="8121"/>
                     <a:stretch/>
                   </p:blipFill>
                   <p:spPr>
                     <a:xfrm>
-                      <a:off x="5523574" y="-228600"/>
-                      <a:ext cx="4953613" cy="3657600"/>
+                      <a:off x="5522066" y="-228600"/>
+                      <a:ext cx="4970917" cy="3657600"/>
                     </a:xfrm>
                     <a:prstGeom prst="rect">
                       <a:avLst/>
@@ -8679,13 +8679,13 @@
                   </p:nvPicPr>
                   <p:blipFill>
                     <a:blip r:embed="rId3"/>
-                    <a:srcRect l="12519" r="7671"/>
+                    <a:srcRect l="12326" r="7627"/>
                     <a:stretch/>
                   </p:blipFill>
                   <p:spPr>
                     <a:xfrm>
-                      <a:off x="5344648" y="3100236"/>
-                      <a:ext cx="5084372" cy="3657600"/>
+                      <a:off x="5328095" y="3100236"/>
+                      <a:ext cx="5123605" cy="3657600"/>
                     </a:xfrm>
                     <a:prstGeom prst="rect">
                       <a:avLst/>
@@ -8971,8 +8971,8 @@
               </p:txBody>
             </p:sp>
           </p:grpSp>
-          <mc:AlternateContent xmlns:mc="http://schemas.openxmlformats.org/markup-compatibility/2006">
-            <mc:Choice xmlns:a14="http://schemas.microsoft.com/office/drawing/2010/main" Requires="a14">
+          <mc:AlternateContent xmlns:mc="http://schemas.openxmlformats.org/markup-compatibility/2006" xmlns:a14="http://schemas.microsoft.com/office/drawing/2010/main">
+            <mc:Choice Requires="a14">
               <p:sp>
                 <p:nvSpPr>
                   <p:cNvPr id="7" name="TextBox 6">
@@ -9029,7 +9029,7 @@
                 </p:txBody>
               </p:sp>
             </mc:Choice>
-            <mc:Fallback>
+            <mc:Fallback xmlns="">
               <p:sp>
                 <p:nvSpPr>
                   <p:cNvPr id="7" name="TextBox 6">
@@ -9074,8 +9074,8 @@
               </p:sp>
             </mc:Fallback>
           </mc:AlternateContent>
-          <mc:AlternateContent xmlns:mc="http://schemas.openxmlformats.org/markup-compatibility/2006">
-            <mc:Choice xmlns:a14="http://schemas.microsoft.com/office/drawing/2010/main" Requires="a14">
+          <mc:AlternateContent xmlns:mc="http://schemas.openxmlformats.org/markup-compatibility/2006" xmlns:a14="http://schemas.microsoft.com/office/drawing/2010/main">
+            <mc:Choice Requires="a14">
               <p:sp>
                 <p:nvSpPr>
                   <p:cNvPr id="8" name="TextBox 7">
@@ -9129,7 +9129,7 @@
                 </p:txBody>
               </p:sp>
             </mc:Choice>
-            <mc:Fallback>
+            <mc:Fallback xmlns="">
               <p:sp>
                 <p:nvSpPr>
                   <p:cNvPr id="8" name="TextBox 7">
